--- a/Показометр скорости интернета и параметров компьютера.pptx
+++ b/Показометр скорости интернета и параметров компьютера.pptx
@@ -9,6 +9,7 @@
     <p:sldId id="257" r:id="rId3"/>
     <p:sldId id="258" r:id="rId4"/>
     <p:sldId id="259" r:id="rId5"/>
+    <p:sldId id="260" r:id="rId6"/>
   </p:sldIdLst>
   <p:sldSz cx="9144000" cy="6858000" type="screen4x3"/>
   <p:notesSz cx="6858000" cy="9144000"/>
@@ -291,7 +292,8 @@
           <a:p>
             <a:fld id="{D0C51D9C-F5A4-47B0-B579-12EF9454150C}" type="datetimeFigureOut">
               <a:rPr lang="ru-RU" smtClean="0"/>
-              <a:t>21.11.2022</a:t>
+              <a:pPr/>
+              <a:t>22.11.2022</a:t>
             </a:fld>
             <a:endParaRPr lang="ru-RU"/>
           </a:p>
@@ -333,6 +335,7 @@
           <a:p>
             <a:fld id="{F596BF37-FBF2-45EB-8BF2-15683FC875F5}" type="slidenum">
               <a:rPr lang="ru-RU" smtClean="0"/>
+              <a:pPr/>
               <a:t>‹#›</a:t>
             </a:fld>
             <a:endParaRPr lang="ru-RU"/>
@@ -456,7 +459,8 @@
           <a:p>
             <a:fld id="{D0C51D9C-F5A4-47B0-B579-12EF9454150C}" type="datetimeFigureOut">
               <a:rPr lang="ru-RU" smtClean="0"/>
-              <a:t>21.11.2022</a:t>
+              <a:pPr/>
+              <a:t>22.11.2022</a:t>
             </a:fld>
             <a:endParaRPr lang="ru-RU"/>
           </a:p>
@@ -498,6 +502,7 @@
           <a:p>
             <a:fld id="{F596BF37-FBF2-45EB-8BF2-15683FC875F5}" type="slidenum">
               <a:rPr lang="ru-RU" smtClean="0"/>
+              <a:pPr/>
               <a:t>‹#›</a:t>
             </a:fld>
             <a:endParaRPr lang="ru-RU"/>
@@ -631,7 +636,8 @@
           <a:p>
             <a:fld id="{D0C51D9C-F5A4-47B0-B579-12EF9454150C}" type="datetimeFigureOut">
               <a:rPr lang="ru-RU" smtClean="0"/>
-              <a:t>21.11.2022</a:t>
+              <a:pPr/>
+              <a:t>22.11.2022</a:t>
             </a:fld>
             <a:endParaRPr lang="ru-RU"/>
           </a:p>
@@ -673,6 +679,7 @@
           <a:p>
             <a:fld id="{F596BF37-FBF2-45EB-8BF2-15683FC875F5}" type="slidenum">
               <a:rPr lang="ru-RU" smtClean="0"/>
+              <a:pPr/>
               <a:t>‹#›</a:t>
             </a:fld>
             <a:endParaRPr lang="ru-RU"/>
@@ -796,7 +803,8 @@
           <a:p>
             <a:fld id="{D0C51D9C-F5A4-47B0-B579-12EF9454150C}" type="datetimeFigureOut">
               <a:rPr lang="ru-RU" smtClean="0"/>
-              <a:t>21.11.2022</a:t>
+              <a:pPr/>
+              <a:t>22.11.2022</a:t>
             </a:fld>
             <a:endParaRPr lang="ru-RU"/>
           </a:p>
@@ -838,6 +846,7 @@
           <a:p>
             <a:fld id="{F596BF37-FBF2-45EB-8BF2-15683FC875F5}" type="slidenum">
               <a:rPr lang="ru-RU" smtClean="0"/>
+              <a:pPr/>
               <a:t>‹#›</a:t>
             </a:fld>
             <a:endParaRPr lang="ru-RU"/>
@@ -1037,7 +1046,8 @@
           <a:p>
             <a:fld id="{D0C51D9C-F5A4-47B0-B579-12EF9454150C}" type="datetimeFigureOut">
               <a:rPr lang="ru-RU" smtClean="0"/>
-              <a:t>21.11.2022</a:t>
+              <a:pPr/>
+              <a:t>22.11.2022</a:t>
             </a:fld>
             <a:endParaRPr lang="ru-RU"/>
           </a:p>
@@ -1079,6 +1089,7 @@
           <a:p>
             <a:fld id="{F596BF37-FBF2-45EB-8BF2-15683FC875F5}" type="slidenum">
               <a:rPr lang="ru-RU" smtClean="0"/>
+              <a:pPr/>
               <a:t>‹#›</a:t>
             </a:fld>
             <a:endParaRPr lang="ru-RU"/>
@@ -1320,7 +1331,8 @@
           <a:p>
             <a:fld id="{D0C51D9C-F5A4-47B0-B579-12EF9454150C}" type="datetimeFigureOut">
               <a:rPr lang="ru-RU" smtClean="0"/>
-              <a:t>21.11.2022</a:t>
+              <a:pPr/>
+              <a:t>22.11.2022</a:t>
             </a:fld>
             <a:endParaRPr lang="ru-RU"/>
           </a:p>
@@ -1362,6 +1374,7 @@
           <a:p>
             <a:fld id="{F596BF37-FBF2-45EB-8BF2-15683FC875F5}" type="slidenum">
               <a:rPr lang="ru-RU" smtClean="0"/>
+              <a:pPr/>
               <a:t>‹#›</a:t>
             </a:fld>
             <a:endParaRPr lang="ru-RU"/>
@@ -1737,7 +1750,8 @@
           <a:p>
             <a:fld id="{D0C51D9C-F5A4-47B0-B579-12EF9454150C}" type="datetimeFigureOut">
               <a:rPr lang="ru-RU" smtClean="0"/>
-              <a:t>21.11.2022</a:t>
+              <a:pPr/>
+              <a:t>22.11.2022</a:t>
             </a:fld>
             <a:endParaRPr lang="ru-RU"/>
           </a:p>
@@ -1779,6 +1793,7 @@
           <a:p>
             <a:fld id="{F596BF37-FBF2-45EB-8BF2-15683FC875F5}" type="slidenum">
               <a:rPr lang="ru-RU" smtClean="0"/>
+              <a:pPr/>
               <a:t>‹#›</a:t>
             </a:fld>
             <a:endParaRPr lang="ru-RU"/>
@@ -1850,7 +1865,8 @@
           <a:p>
             <a:fld id="{D0C51D9C-F5A4-47B0-B579-12EF9454150C}" type="datetimeFigureOut">
               <a:rPr lang="ru-RU" smtClean="0"/>
-              <a:t>21.11.2022</a:t>
+              <a:pPr/>
+              <a:t>22.11.2022</a:t>
             </a:fld>
             <a:endParaRPr lang="ru-RU"/>
           </a:p>
@@ -1892,6 +1908,7 @@
           <a:p>
             <a:fld id="{F596BF37-FBF2-45EB-8BF2-15683FC875F5}" type="slidenum">
               <a:rPr lang="ru-RU" smtClean="0"/>
+              <a:pPr/>
               <a:t>‹#›</a:t>
             </a:fld>
             <a:endParaRPr lang="ru-RU"/>
@@ -1940,7 +1957,8 @@
           <a:p>
             <a:fld id="{D0C51D9C-F5A4-47B0-B579-12EF9454150C}" type="datetimeFigureOut">
               <a:rPr lang="ru-RU" smtClean="0"/>
-              <a:t>21.11.2022</a:t>
+              <a:pPr/>
+              <a:t>22.11.2022</a:t>
             </a:fld>
             <a:endParaRPr lang="ru-RU"/>
           </a:p>
@@ -1982,6 +2000,7 @@
           <a:p>
             <a:fld id="{F596BF37-FBF2-45EB-8BF2-15683FC875F5}" type="slidenum">
               <a:rPr lang="ru-RU" smtClean="0"/>
+              <a:pPr/>
               <a:t>‹#›</a:t>
             </a:fld>
             <a:endParaRPr lang="ru-RU"/>
@@ -2212,7 +2231,8 @@
           <a:p>
             <a:fld id="{D0C51D9C-F5A4-47B0-B579-12EF9454150C}" type="datetimeFigureOut">
               <a:rPr lang="ru-RU" smtClean="0"/>
-              <a:t>21.11.2022</a:t>
+              <a:pPr/>
+              <a:t>22.11.2022</a:t>
             </a:fld>
             <a:endParaRPr lang="ru-RU"/>
           </a:p>
@@ -2254,6 +2274,7 @@
           <a:p>
             <a:fld id="{F596BF37-FBF2-45EB-8BF2-15683FC875F5}" type="slidenum">
               <a:rPr lang="ru-RU" smtClean="0"/>
+              <a:pPr/>
               <a:t>‹#›</a:t>
             </a:fld>
             <a:endParaRPr lang="ru-RU"/>
@@ -2460,7 +2481,8 @@
           <a:p>
             <a:fld id="{D0C51D9C-F5A4-47B0-B579-12EF9454150C}" type="datetimeFigureOut">
               <a:rPr lang="ru-RU" smtClean="0"/>
-              <a:t>21.11.2022</a:t>
+              <a:pPr/>
+              <a:t>22.11.2022</a:t>
             </a:fld>
             <a:endParaRPr lang="ru-RU"/>
           </a:p>
@@ -2502,6 +2524,7 @@
           <a:p>
             <a:fld id="{F596BF37-FBF2-45EB-8BF2-15683FC875F5}" type="slidenum">
               <a:rPr lang="ru-RU" smtClean="0"/>
+              <a:pPr/>
               <a:t>‹#›</a:t>
             </a:fld>
             <a:endParaRPr lang="ru-RU"/>
@@ -2668,7 +2691,8 @@
           <a:p>
             <a:fld id="{D0C51D9C-F5A4-47B0-B579-12EF9454150C}" type="datetimeFigureOut">
               <a:rPr lang="ru-RU" smtClean="0"/>
-              <a:t>21.11.2022</a:t>
+              <a:pPr/>
+              <a:t>22.11.2022</a:t>
             </a:fld>
             <a:endParaRPr lang="ru-RU"/>
           </a:p>
@@ -2746,6 +2770,7 @@
           <a:p>
             <a:fld id="{F596BF37-FBF2-45EB-8BF2-15683FC875F5}" type="slidenum">
               <a:rPr lang="ru-RU" smtClean="0"/>
+              <a:pPr/>
               <a:t>‹#›</a:t>
             </a:fld>
             <a:endParaRPr lang="ru-RU"/>
@@ -3329,7 +3354,11 @@
           <a:p>
             <a:r>
               <a:rPr lang="ru-RU" dirty="0" smtClean="0"/>
-              <a:t>Практическая ценность разработки, перспективы развития проекта</a:t>
+              <a:t>Практическая ценность </a:t>
+            </a:r>
+            <a:r>
+              <a:rPr lang="ru-RU" dirty="0" smtClean="0"/>
+              <a:t>разработки</a:t>
             </a:r>
             <a:endParaRPr lang="ru-RU" dirty="0"/>
           </a:p>
@@ -3347,14 +3376,74 @@
         </p:nvSpPr>
         <p:spPr/>
         <p:txBody>
-          <a:bodyPr/>
-          <a:lstStyle/>
-          <a:p>
+          <a:bodyPr>
+            <a:normAutofit fontScale="77500" lnSpcReduction="20000"/>
+          </a:bodyPr>
+          <a:lstStyle/>
+          <a:p>
+            <a:pPr>
+              <a:buNone/>
+            </a:pPr>
             <a:r>
               <a:rPr lang="ru-RU" dirty="0" smtClean="0"/>
-              <a:t>Проект может служить </a:t>
-            </a:r>
-            <a:endParaRPr lang="ru-RU" dirty="0"/>
+              <a:t>Проект может </a:t>
+            </a:r>
+            <a:r>
+              <a:rPr lang="ru-RU" dirty="0" smtClean="0"/>
+              <a:t>послужить отличным инструментом:</a:t>
+            </a:r>
+          </a:p>
+          <a:p>
+            <a:r>
+              <a:rPr lang="ru-RU" dirty="0" smtClean="0"/>
+              <a:t>для быстрого определения или проверки параметров компьютера, например, в условиях приобретения его с рук</a:t>
+            </a:r>
+          </a:p>
+          <a:p>
+            <a:r>
+              <a:rPr lang="ru-RU" dirty="0" smtClean="0"/>
+              <a:t>для проверки совместимости аппаратных средств с требованиями ПО (программы, игры)</a:t>
+            </a:r>
+          </a:p>
+          <a:p>
+            <a:r>
+              <a:rPr lang="ru-RU" dirty="0" smtClean="0"/>
+              <a:t>для проверки провайдера интернета на соответствие заявленным параметрам</a:t>
+            </a:r>
+            <a:endParaRPr lang="ru-RU" dirty="0" smtClean="0"/>
+          </a:p>
+          <a:p>
+            <a:r>
+              <a:rPr lang="ru-RU" dirty="0" smtClean="0"/>
+              <a:t>д</a:t>
+            </a:r>
+            <a:r>
+              <a:rPr lang="ru-RU" dirty="0" smtClean="0"/>
+              <a:t>ля оценки времени передачи данных по сети,</a:t>
+            </a:r>
+            <a:r>
+              <a:rPr lang="ru-RU" dirty="0" smtClean="0"/>
+              <a:t> </a:t>
+            </a:r>
+            <a:r>
+              <a:rPr lang="ru-RU" dirty="0" smtClean="0"/>
+              <a:t>например при скачивании или передаче большого объема информации</a:t>
+            </a:r>
+            <a:endParaRPr lang="en-US" dirty="0" smtClean="0"/>
+          </a:p>
+          <a:p>
+            <a:r>
+              <a:rPr lang="ru-RU" dirty="0" smtClean="0"/>
+              <a:t>оценка скорости сети для использования в </a:t>
+            </a:r>
+            <a:r>
+              <a:rPr lang="ru-RU" dirty="0" err="1" smtClean="0"/>
+              <a:t>онлайн</a:t>
+            </a:r>
+            <a:r>
+              <a:rPr lang="ru-RU" dirty="0" smtClean="0"/>
+              <a:t> играх или приложениях</a:t>
+            </a:r>
           </a:p>
         </p:txBody>
       </p:sp>
@@ -3370,6 +3459,114 @@
       </p:par>
     </p:tnLst>
   </p:timing>
+</p:sld>
+</file>
+
+<file path=ppt/slides/slide5.xml><?xml version="1.0" encoding="utf-8"?>
+<p:sld xmlns:a="http://schemas.openxmlformats.org/drawingml/2006/main" xmlns:r="http://schemas.openxmlformats.org/officeDocument/2006/relationships" xmlns:p="http://schemas.openxmlformats.org/presentationml/2006/main">
+  <p:cSld>
+    <p:spTree>
+      <p:nvGrpSpPr>
+        <p:cNvPr id="1" name=""/>
+        <p:cNvGrpSpPr/>
+        <p:nvPr/>
+      </p:nvGrpSpPr>
+      <p:grpSpPr>
+        <a:xfrm>
+          <a:off x="0" y="0"/>
+          <a:ext cx="0" cy="0"/>
+          <a:chOff x="0" y="0"/>
+          <a:chExt cx="0" cy="0"/>
+        </a:xfrm>
+      </p:grpSpPr>
+      <p:sp>
+        <p:nvSpPr>
+          <p:cNvPr id="2" name="Заголовок 1"/>
+          <p:cNvSpPr>
+            <a:spLocks noGrp="1"/>
+          </p:cNvSpPr>
+          <p:nvPr>
+            <p:ph type="title"/>
+          </p:nvPr>
+        </p:nvSpPr>
+        <p:spPr/>
+        <p:txBody>
+          <a:bodyPr/>
+          <a:lstStyle/>
+          <a:p>
+            <a:r>
+              <a:rPr lang="ru-RU" dirty="0" smtClean="0"/>
+              <a:t>Перспективы </a:t>
+            </a:r>
+            <a:r>
+              <a:rPr lang="ru-RU" dirty="0" smtClean="0"/>
+              <a:t>развития проекта</a:t>
+            </a:r>
+            <a:endParaRPr lang="ru-RU" dirty="0"/>
+          </a:p>
+        </p:txBody>
+      </p:sp>
+      <p:sp>
+        <p:nvSpPr>
+          <p:cNvPr id="3" name="Содержимое 2"/>
+          <p:cNvSpPr>
+            <a:spLocks noGrp="1"/>
+          </p:cNvSpPr>
+          <p:nvPr>
+            <p:ph idx="1"/>
+          </p:nvPr>
+        </p:nvSpPr>
+        <p:spPr/>
+        <p:txBody>
+          <a:bodyPr>
+            <a:normAutofit fontScale="85000" lnSpcReduction="10000"/>
+          </a:bodyPr>
+          <a:lstStyle/>
+          <a:p>
+            <a:pPr>
+              <a:buNone/>
+            </a:pPr>
+            <a:r>
+              <a:rPr lang="ru-RU" dirty="0" smtClean="0"/>
+              <a:t>Внедрив новые показатели в проект, можно использовать его в более широком </a:t>
+            </a:r>
+            <a:r>
+              <a:rPr lang="ru-RU" dirty="0" smtClean="0"/>
+              <a:t>назначении</a:t>
+            </a:r>
+          </a:p>
+          <a:p>
+            <a:r>
+              <a:rPr lang="ru-RU" dirty="0" smtClean="0"/>
+              <a:t>Отдельные части программы можно использовать в разных проектах, например вывод характеристик ПК в предупреждении при установке игр или программ, а также сборе аналитической информации о компьютерах пользователей</a:t>
+            </a:r>
+          </a:p>
+          <a:p>
+            <a:r>
+              <a:rPr lang="ru-RU" dirty="0" smtClean="0"/>
+              <a:t>Программу можно внедрить в поисковую сеть, например, для того, чтобы она выдавала </a:t>
+            </a:r>
+            <a:r>
+              <a:rPr lang="ru-RU" dirty="0" err="1" smtClean="0"/>
+              <a:t>контент</a:t>
+            </a:r>
+            <a:r>
+              <a:rPr lang="ru-RU" dirty="0" smtClean="0"/>
+              <a:t> в качестве, подходящем для комфортного просмотра, в зависимости от скорости </a:t>
+            </a:r>
+            <a:r>
+              <a:rPr lang="ru-RU" smtClean="0"/>
+              <a:t>интернета пользователя</a:t>
+            </a:r>
+            <a:endParaRPr lang="ru-RU" dirty="0" smtClean="0"/>
+          </a:p>
+        </p:txBody>
+      </p:sp>
+    </p:spTree>
+  </p:cSld>
+  <p:clrMapOvr>
+    <a:masterClrMapping/>
+  </p:clrMapOvr>
 </p:sld>
 </file>
 

--- a/Показометр скорости интернета и параметров компьютера.pptx
+++ b/Показометр скорости интернета и параметров компьютера.pptx
@@ -293,7 +293,7 @@
             <a:fld id="{D0C51D9C-F5A4-47B0-B579-12EF9454150C}" type="datetimeFigureOut">
               <a:rPr lang="ru-RU" smtClean="0"/>
               <a:pPr/>
-              <a:t>22.11.2022</a:t>
+              <a:t>23.11.2022</a:t>
             </a:fld>
             <a:endParaRPr lang="ru-RU"/>
           </a:p>
@@ -460,7 +460,7 @@
             <a:fld id="{D0C51D9C-F5A4-47B0-B579-12EF9454150C}" type="datetimeFigureOut">
               <a:rPr lang="ru-RU" smtClean="0"/>
               <a:pPr/>
-              <a:t>22.11.2022</a:t>
+              <a:t>23.11.2022</a:t>
             </a:fld>
             <a:endParaRPr lang="ru-RU"/>
           </a:p>
@@ -637,7 +637,7 @@
             <a:fld id="{D0C51D9C-F5A4-47B0-B579-12EF9454150C}" type="datetimeFigureOut">
               <a:rPr lang="ru-RU" smtClean="0"/>
               <a:pPr/>
-              <a:t>22.11.2022</a:t>
+              <a:t>23.11.2022</a:t>
             </a:fld>
             <a:endParaRPr lang="ru-RU"/>
           </a:p>
@@ -804,7 +804,7 @@
             <a:fld id="{D0C51D9C-F5A4-47B0-B579-12EF9454150C}" type="datetimeFigureOut">
               <a:rPr lang="ru-RU" smtClean="0"/>
               <a:pPr/>
-              <a:t>22.11.2022</a:t>
+              <a:t>23.11.2022</a:t>
             </a:fld>
             <a:endParaRPr lang="ru-RU"/>
           </a:p>
@@ -1047,7 +1047,7 @@
             <a:fld id="{D0C51D9C-F5A4-47B0-B579-12EF9454150C}" type="datetimeFigureOut">
               <a:rPr lang="ru-RU" smtClean="0"/>
               <a:pPr/>
-              <a:t>22.11.2022</a:t>
+              <a:t>23.11.2022</a:t>
             </a:fld>
             <a:endParaRPr lang="ru-RU"/>
           </a:p>
@@ -1332,7 +1332,7 @@
             <a:fld id="{D0C51D9C-F5A4-47B0-B579-12EF9454150C}" type="datetimeFigureOut">
               <a:rPr lang="ru-RU" smtClean="0"/>
               <a:pPr/>
-              <a:t>22.11.2022</a:t>
+              <a:t>23.11.2022</a:t>
             </a:fld>
             <a:endParaRPr lang="ru-RU"/>
           </a:p>
@@ -1751,7 +1751,7 @@
             <a:fld id="{D0C51D9C-F5A4-47B0-B579-12EF9454150C}" type="datetimeFigureOut">
               <a:rPr lang="ru-RU" smtClean="0"/>
               <a:pPr/>
-              <a:t>22.11.2022</a:t>
+              <a:t>23.11.2022</a:t>
             </a:fld>
             <a:endParaRPr lang="ru-RU"/>
           </a:p>
@@ -1866,7 +1866,7 @@
             <a:fld id="{D0C51D9C-F5A4-47B0-B579-12EF9454150C}" type="datetimeFigureOut">
               <a:rPr lang="ru-RU" smtClean="0"/>
               <a:pPr/>
-              <a:t>22.11.2022</a:t>
+              <a:t>23.11.2022</a:t>
             </a:fld>
             <a:endParaRPr lang="ru-RU"/>
           </a:p>
@@ -1958,7 +1958,7 @@
             <a:fld id="{D0C51D9C-F5A4-47B0-B579-12EF9454150C}" type="datetimeFigureOut">
               <a:rPr lang="ru-RU" smtClean="0"/>
               <a:pPr/>
-              <a:t>22.11.2022</a:t>
+              <a:t>23.11.2022</a:t>
             </a:fld>
             <a:endParaRPr lang="ru-RU"/>
           </a:p>
@@ -2232,7 +2232,7 @@
             <a:fld id="{D0C51D9C-F5A4-47B0-B579-12EF9454150C}" type="datetimeFigureOut">
               <a:rPr lang="ru-RU" smtClean="0"/>
               <a:pPr/>
-              <a:t>22.11.2022</a:t>
+              <a:t>23.11.2022</a:t>
             </a:fld>
             <a:endParaRPr lang="ru-RU"/>
           </a:p>
@@ -2482,7 +2482,7 @@
             <a:fld id="{D0C51D9C-F5A4-47B0-B579-12EF9454150C}" type="datetimeFigureOut">
               <a:rPr lang="ru-RU" smtClean="0"/>
               <a:pPr/>
-              <a:t>22.11.2022</a:t>
+              <a:t>23.11.2022</a:t>
             </a:fld>
             <a:endParaRPr lang="ru-RU"/>
           </a:p>
@@ -2692,7 +2692,7 @@
             <a:fld id="{D0C51D9C-F5A4-47B0-B579-12EF9454150C}" type="datetimeFigureOut">
               <a:rPr lang="ru-RU" smtClean="0"/>
               <a:pPr/>
-              <a:t>22.11.2022</a:t>
+              <a:t>23.11.2022</a:t>
             </a:fld>
             <a:endParaRPr lang="ru-RU"/>
           </a:p>
@@ -3185,15 +3185,19 @@
           <a:p>
             <a:r>
               <a:rPr lang="ru-RU" dirty="0" smtClean="0"/>
-              <a:t>Создать приложение, которое позволит увидеть параметры компьютера, на котором запущена программа и качество скорости интернета (задержка сигнала до серверов </a:t>
-            </a:r>
-            <a:r>
-              <a:rPr lang="en-US" dirty="0" err="1" smtClean="0"/>
-              <a:t>Yandex</a:t>
+              <a:t>Создать приложение, которое позволит увидеть параметры компьютера, на котором запущена программа и качество скорости интернета (задержка сигнала </a:t>
+            </a:r>
+            <a:r>
+              <a:rPr lang="ru-RU" smtClean="0"/>
+              <a:t>до </a:t>
+            </a:r>
+            <a:r>
+              <a:rPr lang="ru-RU" smtClean="0"/>
+              <a:t>сервера, </a:t>
             </a:r>
             <a:r>
               <a:rPr lang="ru-RU" dirty="0" smtClean="0"/>
-              <a:t>, скорость скачивания и загрузки).</a:t>
+              <a:t>скорость скачивания и загрузки).</a:t>
             </a:r>
             <a:endParaRPr lang="ru-RU" dirty="0"/>
           </a:p>
@@ -3354,11 +3358,7 @@
           <a:p>
             <a:r>
               <a:rPr lang="ru-RU" dirty="0" smtClean="0"/>
-              <a:t>Практическая ценность </a:t>
-            </a:r>
-            <a:r>
-              <a:rPr lang="ru-RU" dirty="0" smtClean="0"/>
-              <a:t>разработки</a:t>
+              <a:t>Практическая ценность разработки</a:t>
             </a:r>
             <a:endParaRPr lang="ru-RU" dirty="0"/>
           </a:p>
@@ -3386,11 +3386,7 @@
             </a:pPr>
             <a:r>
               <a:rPr lang="ru-RU" dirty="0" smtClean="0"/>
-              <a:t>Проект может </a:t>
-            </a:r>
-            <a:r>
-              <a:rPr lang="ru-RU" dirty="0" smtClean="0"/>
-              <a:t>послужить отличным инструментом:</a:t>
+              <a:t>Проект может послужить отличным инструментом:</a:t>
             </a:r>
           </a:p>
           <a:p>
@@ -3410,24 +3406,11 @@
               <a:rPr lang="ru-RU" dirty="0" smtClean="0"/>
               <a:t>для проверки провайдера интернета на соответствие заявленным параметрам</a:t>
             </a:r>
-            <a:endParaRPr lang="ru-RU" dirty="0" smtClean="0"/>
           </a:p>
           <a:p>
             <a:r>
               <a:rPr lang="ru-RU" dirty="0" smtClean="0"/>
-              <a:t>д</a:t>
-            </a:r>
-            <a:r>
-              <a:rPr lang="ru-RU" dirty="0" smtClean="0"/>
-              <a:t>ля оценки времени передачи данных по сети,</a:t>
-            </a:r>
-            <a:r>
-              <a:rPr lang="ru-RU" dirty="0" smtClean="0"/>
-              <a:t> </a:t>
-            </a:r>
-            <a:r>
-              <a:rPr lang="ru-RU" dirty="0" smtClean="0"/>
-              <a:t>например при скачивании или передаче большого объема информации</a:t>
+              <a:t>для оценки времени передачи данных по сети, например при скачивании или передаче большого объема информации</a:t>
             </a:r>
             <a:endParaRPr lang="en-US" dirty="0" smtClean="0"/>
           </a:p>
@@ -3496,11 +3479,7 @@
           <a:p>
             <a:r>
               <a:rPr lang="ru-RU" dirty="0" smtClean="0"/>
-              <a:t>Перспективы </a:t>
-            </a:r>
-            <a:r>
-              <a:rPr lang="ru-RU" dirty="0" smtClean="0"/>
-              <a:t>развития проекта</a:t>
+              <a:t>Перспективы развития проекта</a:t>
             </a:r>
             <a:endParaRPr lang="ru-RU" dirty="0"/>
           </a:p>
@@ -3528,11 +3507,7 @@
             </a:pPr>
             <a:r>
               <a:rPr lang="ru-RU" dirty="0" smtClean="0"/>
-              <a:t>Внедрив новые показатели в проект, можно использовать его в более широком </a:t>
-            </a:r>
-            <a:r>
-              <a:rPr lang="ru-RU" dirty="0" smtClean="0"/>
-              <a:t>назначении</a:t>
+              <a:t>Внедрив новые показатели в проект, можно использовать его в более широком назначении</a:t>
             </a:r>
           </a:p>
           <a:p>
@@ -3567,6 +3542,13 @@
   <p:clrMapOvr>
     <a:masterClrMapping/>
   </p:clrMapOvr>
+  <p:timing>
+    <p:tnLst>
+      <p:par>
+        <p:cTn id="1" dur="indefinite" restart="never" nodeType="tmRoot"/>
+      </p:par>
+    </p:tnLst>
+  </p:timing>
 </p:sld>
 </file>
 
